--- a/Html.pptx
+++ b/Html.pptx
@@ -893,9 +893,9 @@
 <office:document-meta xmlns:office="urn:oasis:names:tc:opendocument:xmlns:office:1.0" xmlns:xlink="http://www.w3.org/1999/xlink" xmlns:dc="http://purl.org/dc/elements/1.1/" xmlns:meta="urn:oasis:names:tc:opendocument:xmlns:meta:1.0" xmlns:presentation="urn:oasis:names:tc:opendocument:xmlns:presentation:1.0" xmlns:ooo="http://openoffice.org/2004/office" xmlns:smil="urn:oasis:names:tc:opendocument:xmlns:smil-compatible:1.0" xmlns:anim="urn:oasis:names:tc:opendocument:xmlns:animation:1.0" xmlns:grddl="http://www.w3.org/2003/g/data-view#" xmlns:officeooo="http://openoffice.org/2009/office" office:version="1.2">
   <office:meta>
     <meta:generator>LibreOffice/4.2.4.2$Linux_X86_64 LibreOffice_project/420m0$Build-2</meta:generator>
-    <dc:date>2015-04-03T09:08:51.190148843</dc:date>
+    <dc:date>2015-04-04T17:53:56.532436143</dc:date>
     <meta:editing-duration>PT27M8S</meta:editing-duration>
-    <meta:editing-cycles>7</meta:editing-cycles>
+    <meta:editing-cycles>8</meta:editing-cycles>
     <meta:document-statistic meta:object-count="60"/>
   </office:meta>
 </office:document-meta>
@@ -930,8 +930,8 @@
           <config:config-item config:name="NoColors" config:type="boolean">true</config:config-item>
           <config:config-item config:name="RulerIsVisible" config:type="boolean">false</config:config-item>
           <config:config-item config:name="PageKind" config:type="short">0</config:config-item>
-          <config:config-item config:name="SelectedPage" config:type="short">0</config:config-item>
-          <config:config-item config:name="IsLayerMode" config:type="boolean">false</config:config-item>
+          <config:config-item config:name="SelectedPage" config:type="short">5</config:config-item>
+          <config:config-item config:name="IsLayerMode" config:type="boolean">true</config:config-item>
           <config:config-item config:name="IsDoubleClickTextEdit" config:type="boolean">true</config:config-item>
           <config:config-item config:name="IsClickChangeRotation" config:type="boolean">true</config:config-item>
           <config:config-item config:name="SlidesPerRow" config:type="short">4</config:config-item>
@@ -1003,8 +1003,8 @@
       <config:config-item config:name="ParagraphSummation" config:type="boolean">false</config:config-item>
       <config:config-item config:name="PrintQuality" config:type="int">0</config:config-item>
       <config:config-item config:name="PrinterIndependentLayout" config:type="string">low-resolution</config:config-item>
-      <config:config-item config:name="PrinterName" config:type="string"/>
-      <config:config-item config:name="PrinterSetup" config:type="base64Binary"/>
+      <config:config-item config:name="PrinterName" config:type="string">Generic Printer</config:config-item>
+      <config:config-item config:name="PrinterSetup" config:type="base64Binary">gAH+/0dlbmVyaWMgUHJpbnRlcgAAAAAAAAAAAAAAAAAAAAAAAAAAAAAAAAAAAAAAAAAAAAAAAAAAAAAAAAAAAAAAAAAAAAAAAAAAAAAAAAAAAAAAAAAAAAAAAAAAAAAAAAAAAAAAAAAAAAAAAAAAAAAAAAAAAAAAAAAAAAAAAAAAAAAAU0dFTlBSVAAAAAAAAAAAAAAAAAAAAAAAAAAAAAAAAAAWAAMApgAAAAAAAAAEAAhSAAAEdAAASm9iRGF0YSAxCnByaW50ZXI9R2VuZXJpYyBQcmludGVyCm9yaWVudGF0aW9uPVBvcnRyYWl0CmNvcGllcz0xCm1hcmdpbmRhanVzdG1lbnQ9MCwwLDAsMApjb2xvcmRlcHRoPTI0CnBzbGV2ZWw9MApwZGZkZXZpY2U9MApjb2xvcmRldmljZT0wClBQRENvbnRleERhdGEKUGFnZVNpemU6QTQAABIAQ09NUEFUX0RVUExFWF9NT0RFCgBEVVBMRVhfT0ZG</config:config-item>
       <config:config-item config:name="SaveVersionOnClose" config:type="boolean">false</config:config-item>
       <config:config-item config:name="SlidesPerHandout" config:type="short">6</config:config-item>
       <config:config-item config:name="UpdateFromTemplate" config:type="boolean">true</config:config-item>

--- a/Html.pptx
+++ b/Html.pptx
@@ -58,6 +58,9 @@
     <style:style style:name="gr7" style:family="graphic" style:parent-style-name="standard" style:list-style-name="L3">
       <style:graphic-properties draw:stroke="none" svg:stroke-width="0cm" draw:fill="none" draw:textarea-vertical-align="middle" draw:auto-grow-height="false" draw:fit-to-size="false" fo:padding-top="0cm" fo:padding-bottom="0cm" fo:padding-left="0cm" fo:padding-right="0cm" fo:wrap-option="wrap"/>
     </style:style>
+    <style:style style:name="gr8" style:family="graphic">
+      <style:graphic-properties draw:stroke="none" svg:stroke-width="0cm" draw:fill="none" draw:textarea-vertical-align="top" draw:auto-grow-height="false" draw:fit-to-size="false" fo:padding-top="0.125cm" fo:padding-bottom="0.125cm" fo:padding-left="0.25cm" fo:padding-right="0.25cm" fo:wrap-option="wrap"/>
+    </style:style>
     <style:style style:name="pr1" style:family="presentation" style:parent-style-name="Title_20_Only-notes">
       <style:graphic-properties draw:fill-color="#ffffff" fo:min-height="13.365cm"/>
     </style:style>
@@ -112,6 +115,9 @@
     </style:style>
     <style:style style:name="T8" style:family="text">
       <style:text-properties fo:color="#ff6600" style:text-underline-style="none"/>
+    </style:style>
+    <style:style style:name="T9" style:family="text">
+      <style:text-properties fo:color="#ff3333" style:text-underline-style="none"/>
     </style:style>
     <text:list-style style:name="L1">
       <text:list-level-style-bullet text:level="1" text:bullet-char="●">
@@ -627,7 +633,7 @@
         <office:forms form:automatic-focus="false" form:apply-design-mode="false"/>
         <draw:custom-shape draw:name="CustomShape 1" draw:style-name="gr7" draw:text-style-name="P7" draw:layer="layout" svg:width="22.855cm" svg:height="3.172cm" svg:x="1.389cm" svg:y="7.342cm">
           <text:p text:style-name="P1">
-            <text:span text:style-name="T1">第二章 元素与标签</text:span>
+            <text:span text:style-name="T1">第二章 标签与元素</text:span>
           </text:p>
           <draw:enhanced-geometry draw:mirror-horizontal="false" draw:mirror-vertical="false" svg:viewBox="0 0 0 0" draw:text-areas="0 0 ?f3 ?f2" draw:type="ooxml-rect" draw:enhanced-path="M 0 0 L ?f3 0 ?f3 ?f2 0 ?f2 Z N">
             <draw:equation draw:name="f0" draw:formula="logwidth/2"/>
@@ -660,11 +666,11 @@
       </draw:page>
       <draw:page draw:name="page7" draw:style-name="dp1" draw:master-page-name="Title_20_Only" presentation:presentation-page-layout-name="AL1T19">
         <office:forms form:automatic-focus="false" form:apply-design-mode="false"/>
-        <draw:frame draw:style-name="gr2" draw:layer="layout" svg:width="21cm" svg:height="12.638cm" svg:x="2.32cm" svg:y="3.278cm">
+        <draw:frame draw:style-name="gr2" draw:layer="layout" svg:width="21cm" svg:height="12.269cm" svg:x="2.32cm" svg:y="3.278cm">
           <draw:text-box>
             <text:p/>
             <text:p>1.标签</text:p>
-            <text:p>标签就是&lt;head&gt;、&lt;body&gt;、&lt;table&gt;等被尖括号“&lt;”和“&gt;”包起来的对象，绝大部分的标签都是成对出现的，如&lt;table&gt;&lt;/talbe&gt;、&lt;form&gt;&lt;/form&gt;。当然还有少部分不是成对出现的，如&lt;br&gt;、&lt;hr&gt;等。</text:p>
+            <text:p>标签就是&lt;head&gt;、&lt;body&gt;、&lt;table&gt;等被尖括号“&lt;”和“&gt;”包起来的对象，绝大部分的标签都是成对出现的，如&lt;table&gt;&lt;/talbe&gt;、&lt;form&gt;&lt;/form&gt;。当然还有少部分不是成对出现的，如&lt;br/&gt;、&lt;hr/&gt;等。</text:p>
             <text:p/>
             <text:p>
               <text:span text:style-name="T7">2.</text:span>
@@ -722,7 +728,7 @@
       </draw:page>
       <draw:page draw:name="page8" draw:style-name="dp1" draw:master-page-name="Title_20_Only" presentation:presentation-page-layout-name="AL1T19">
         <office:forms form:automatic-focus="false" form:apply-design-mode="false"/>
-        <draw:frame draw:style-name="gr2" draw:layer="layout" svg:width="21cm" svg:height="12.515cm" svg:x="2.4cm" svg:y="3.88cm">
+        <draw:frame draw:style-name="gr2" draw:layer="layout" svg:width="21cm" svg:height="12.146cm" svg:x="2.4cm" svg:y="3.88cm">
           <draw:text-box>
             <text:p>
               <text:span text:style-name="T7">常用的一些元素属性：</text:span>
@@ -741,7 +747,7 @@
               <text:span text:style-name="T7">3.</text:span>
               <text:span text:style-name="T7">元素</text:span>
             </text:p>
-            <text:p>HTML元素是构建网页的一种单位,是由HTML标签和HTML属性组成的,HTML元素也是网页中的一种基本单位.如</text:p>
+            <text:p>HTML元素是构建网页的一种单位,是由HTML标签和HTML属性组成的.如</text:p>
             <text:p>
               <text:span text:style-name="T8">&lt;a href="http://superu.org"&gt;</text:span>
             </text:p>
@@ -811,7 +817,7 @@
       </draw:page>
       <draw:page draw:name="page9" draw:style-name="dp1" draw:master-page-name="Title_20_Only" presentation:presentation-page-layout-name="AL1T19">
         <office:forms form:automatic-focus="false" form:apply-design-mode="false"/>
-        <draw:frame draw:style-name="gr2" draw:layer="layout" svg:width="21cm" svg:height="9.521cm" svg:x="2.4cm" svg:y="3.76cm">
+        <draw:frame draw:style-name="gr2" draw:layer="layout" svg:width="21cm" svg:height="11.312cm" svg:x="2.4cm" svg:y="3.76cm">
           <draw:text-box>
             <text:p>
               <text:span text:style-name="T7"/>
@@ -843,23 +849,23 @@
               <text:span text:style-name="T8">&lt;h5&gt;Hello World! &lt;/h5&gt;</text:span>
             </text:p>
             <text:p>
-              <text:span text:style-name="T7"/>
-            </text:p>
-            <text:p>
-              <text:span text:style-name="T7">2.</text:span>
-              <text:span text:style-name="T7">段落</text:span>
-            </text:p>
-            <text:p>
-              <text:span text:style-name="T7">段落是通过 </text:span>
-              <text:span text:style-name="T7">&lt;p&gt; </text:span>
-              <text:span text:style-name="T7">标签</text:span>
-              <text:span text:style-name="T7">(</text:span>
-              <text:span text:style-name="T7">块元素</text:span>
-              <text:span text:style-name="T7">)</text:span>
-              <text:span text:style-name="T7">定义的。如</text:span>
-            </text:p>
-            <text:p>
-              <text:span text:style-name="T8">&lt;p&gt;Hello World!&lt;/p&gt;</text:span>
+              <text:span text:style-name="T7">标题很重要</text:span>
+              <text:span text:style-name="T7">!</text:span>
+            </text:p>
+            <text:p>
+              <text:span text:style-name="T7">因为用户可以通过标题来快速浏览您的网页，所以用标题来呈现文档结构是很重要的。</text:span>
+            </text:p>
+            <text:p>
+              <text:span text:style-name="T7">应该将 </text:span>
+              <text:span text:style-name="T7">h1 </text:span>
+              <text:span text:style-name="T7">用作主标题（最重要的），其后是 </text:span>
+              <text:span text:style-name="T7">h2</text:span>
+              <text:span text:style-name="T7">（次重要的），再其次是 </text:span>
+              <text:span text:style-name="T7">h3</text:span>
+              <text:span text:style-name="T7">，以此类推。</text:span>
+            </text:p>
+            <text:p>
+              <text:span text:style-name="T8"/>
             </text:p>
           </draw:text-box>
         </draw:frame>
@@ -878,6 +884,62 @@
         </draw:custom-shape>
         <presentation:notes draw:style-name="dp2">
           <draw:page-thumbnail draw:style-name="gr3" draw:layer="layout" svg:width="14.848cm" svg:height="11.136cm" svg:x="3.075cm" svg:y="2.257cm" draw:page-number="9" presentation:class="page"/>
+          <draw:frame presentation:style-name="pr2" draw:layer="layout" svg:width="16.799cm" svg:height="13.364cm" svg:x="2.1cm" svg:y="14.107cm" presentation:class="notes" presentation:placeholder="true">
+            <draw:text-box/>
+          </draw:frame>
+        </presentation:notes>
+      </draw:page>
+      <draw:page draw:name="page10" draw:style-name="dp1" draw:master-page-name="Title_20_Only" presentation:presentation-page-layout-name="AL1T19">
+        <office:forms form:automatic-focus="false" form:apply-design-mode="false"/>
+        <draw:frame draw:style-name="gr2" draw:layer="layout" svg:width="21cm" svg:height="5.966cm" svg:x="2.4cm" svg:y="3.76cm">
+          <draw:text-box>
+            <text:p>
+              <text:span text:style-name="T7"/>
+            </text:p>
+            <text:p>
+              <text:span text:style-name="T7">2.</text:span>
+              <text:span text:style-name="T7">段落</text:span>
+            </text:p>
+            <text:p>
+              <text:span text:style-name="T7">段落是通过 </text:span>
+              <text:span text:style-name="T7">&lt;p&gt; </text:span>
+              <text:span text:style-name="T7">标签</text:span>
+              <text:span text:style-name="T7">(</text:span>
+              <text:span text:style-name="T7">块元素</text:span>
+              <text:span text:style-name="T7">)</text:span>
+              <text:span text:style-name="T7">定义的。如</text:span>
+            </text:p>
+            <text:p>
+              <text:span text:style-name="T8">&lt;p&gt;Hello World!&lt;/p&gt;</text:span>
+            </text:p>
+            <text:p>
+              <text:span text:style-name="T8"/>
+            </text:p>
+            <text:p>
+              <text:span text:style-name="T9">提示：使用空的段落标记 </text:span>
+              <text:span text:style-name="T9">&lt;p&gt;&lt;/p&gt; </text:span>
+              <text:span text:style-name="T9">去插入一个空行是个坏习惯。用 </text:span>
+              <text:span text:style-name="T9">&lt;br /&gt; </text:span>
+              <text:span text:style-name="T9">标签代替它！</text:span>
+            </text:p>
+          </draw:text-box>
+        </draw:frame>
+        <draw:custom-shape draw:name="CustomShape 1" draw:style-name="gr8" draw:text-style-name="P2" draw:layer="版式" svg:width="9.519cm" svg:height="1.012cm" svg:x="13.6cm" svg:y="1.469cm">
+          <text:p text:style-name="P3">
+            <text:span text:style-name="T4">第</text:span>
+            <text:span text:style-name="T4">2</text:span>
+            <text:span text:style-name="T4">节：标题与段落</text:span>
+          </text:p>
+          <draw:enhanced-geometry draw:mirror-horizontal="false" draw:mirror-vertical="false" svg:viewBox="0 0 0 0" draw:text-areas="0 0 ?f3 ?f2" draw:type="ooxml-rect" draw:enhanced-path="M 0 0 L ?f3 0 ?f3 ?f2 0 ?f2 Z N">
+            <draw:equation draw:name="f0" draw:formula="logwidth/2"/>
+            <draw:equation draw:name="f1" draw:formula="logheight/2"/>
+            <draw:equation draw:name="f2" draw:formula="logheight"/>
+            <draw:equation draw:name="f3" draw:formula="logwidth"/>
+          </draw:enhanced-geometry>
+        </draw:custom-shape>
+        <presentation:notes draw:style-name="dp2">
+          <office:forms form:automatic-focus="false" form:apply-design-mode="false"/>
+          <draw:page-thumbnail draw:style-name="gr3" draw:layer="layout" svg:width="14.848cm" svg:height="11.136cm" svg:x="3.075cm" svg:y="2.257cm" draw:page-number="10" presentation:class="page"/>
           <draw:frame presentation:style-name="pr2" draw:layer="layout" svg:width="16.799cm" svg:height="13.364cm" svg:x="2.1cm" svg:y="14.107cm" presentation:class="notes" presentation:placeholder="true">
             <draw:text-box/>
           </draw:frame>
@@ -893,10 +955,10 @@
 <office:document-meta xmlns:office="urn:oasis:names:tc:opendocument:xmlns:office:1.0" xmlns:xlink="http://www.w3.org/1999/xlink" xmlns:dc="http://purl.org/dc/elements/1.1/" xmlns:meta="urn:oasis:names:tc:opendocument:xmlns:meta:1.0" xmlns:presentation="urn:oasis:names:tc:opendocument:xmlns:presentation:1.0" xmlns:ooo="http://openoffice.org/2004/office" xmlns:smil="urn:oasis:names:tc:opendocument:xmlns:smil-compatible:1.0" xmlns:anim="urn:oasis:names:tc:opendocument:xmlns:animation:1.0" xmlns:grddl="http://www.w3.org/2003/g/data-view#" xmlns:officeooo="http://openoffice.org/2009/office" office:version="1.2">
   <office:meta>
     <meta:generator>LibreOffice/4.2.4.2$Linux_X86_64 LibreOffice_project/420m0$Build-2</meta:generator>
-    <dc:date>2015-04-04T17:53:56.532436143</dc:date>
+    <dc:date>2015-04-05T22:05:11.395890126</dc:date>
     <meta:editing-duration>PT27M8S</meta:editing-duration>
-    <meta:editing-cycles>8</meta:editing-cycles>
-    <meta:document-statistic meta:object-count="60"/>
+    <meta:editing-cycles>10</meta:editing-cycles>
+    <meta:document-statistic meta:object-count="64"/>
   </office:meta>
 </office:document-meta>
 </file>
@@ -930,8 +992,8 @@
           <config:config-item config:name="NoColors" config:type="boolean">true</config:config-item>
           <config:config-item config:name="RulerIsVisible" config:type="boolean">false</config:config-item>
           <config:config-item config:name="PageKind" config:type="short">0</config:config-item>
-          <config:config-item config:name="SelectedPage" config:type="short">5</config:config-item>
-          <config:config-item config:name="IsLayerMode" config:type="boolean">true</config:config-item>
+          <config:config-item config:name="SelectedPage" config:type="short">8</config:config-item>
+          <config:config-item config:name="IsLayerMode" config:type="boolean">false</config:config-item>
           <config:config-item config:name="IsDoubleClickTextEdit" config:type="boolean">true</config:config-item>
           <config:config-item config:name="IsClickChangeRotation" config:type="boolean">true</config:config-item>
           <config:config-item config:name="SlidesPerRow" config:type="short">4</config:config-item>
@@ -1004,7 +1066,7 @@
       <config:config-item config:name="PrintQuality" config:type="int">0</config:config-item>
       <config:config-item config:name="PrinterIndependentLayout" config:type="string">low-resolution</config:config-item>
       <config:config-item config:name="PrinterName" config:type="string">Generic Printer</config:config-item>
-      <config:config-item config:name="PrinterSetup" config:type="base64Binary">gAH+/0dlbmVyaWMgUHJpbnRlcgAAAAAAAAAAAAAAAAAAAAAAAAAAAAAAAAAAAAAAAAAAAAAAAAAAAAAAAAAAAAAAAAAAAAAAAAAAAAAAAAAAAAAAAAAAAAAAAAAAAAAAAAAAAAAAAAAAAAAAAAAAAAAAAAAAAAAAAAAAAAAAAAAAAAAAU0dFTlBSVAAAAAAAAAAAAAAAAAAAAAAAAAAAAAAAAAAWAAMApgAAAAAAAAAEAAhSAAAEdAAASm9iRGF0YSAxCnByaW50ZXI9R2VuZXJpYyBQcmludGVyCm9yaWVudGF0aW9uPVBvcnRyYWl0CmNvcGllcz0xCm1hcmdpbmRhanVzdG1lbnQ9MCwwLDAsMApjb2xvcmRlcHRoPTI0CnBzbGV2ZWw9MApwZGZkZXZpY2U9MApjb2xvcmRldmljZT0wClBQRENvbnRleERhdGEKUGFnZVNpemU6QTQAABIAQ09NUEFUX0RVUExFWF9NT0RFCgBEVVBMRVhfT0ZG</config:config-item>
+      <config:config-item config:name="PrinterSetup" config:type="base64Binary">jAH+/0dlbmVyaWMgUHJpbnRlcgAAAAAAAAAAAAAAAAAAAAAAAAAAAAAAAAAAAAAAAAAAAAAAAAAAAAAAAAAAAAAAAAAAAAAAAAAAAAAAAAAAAAAAAAAAAAAAAAAAAAAAAAAAAAAAAAAAAAAAAAAAAAAAAAAAAAAAAAAAAAAAAAAAAAAAU0dFTlBSVAAAAAAAAAAAAAAAAAAAAAAAAAAAAAAAAAAWAAMAsgAAAAAAAAAEAAhSAAAEdAAASm9iRGF0YSAxCnByaW50ZXI9R2VuZXJpYyBQcmludGVyCm9yaWVudGF0aW9uPVBvcnRyYWl0CmNvcGllcz0xCm1hcmdpbmRhanVzdG1lbnQ9MCwwLDAsMApjb2xvcmRlcHRoPTI0CnBzbGV2ZWw9MApwZGZkZXZpY2U9MApjb2xvcmRldmljZT0wClBQRENvbnRleERhdGEKUGFnZVNpemU6QTQARHVwbGV4Ok5vbmUAABIAQ09NUEFUX0RVUExFWF9NT0RFCgBEVVBMRVhfT0ZG</config:config-item>
       <config:config-item config:name="SaveVersionOnClose" config:type="boolean">false</config:config-item>
       <config:config-item config:name="SlidesPerHandout" config:type="short">6</config:config-item>
       <config:config-item config:name="UpdateFromTemplate" config:type="boolean">true</config:config-item>
@@ -1565,6 +1627,7 @@
         <draw:text-box/>
       </draw:frame>
       <presentation:notes style:page-layout-name="PM0">
+        <office:forms form:automatic-focus="false" form:apply-design-mode="false"/>
         <draw:page-thumbnail presentation:style-name="Title_20_Only-title" draw:layer="backgroundobjects" svg:width="14.848cm" svg:height="11.136cm" svg:x="3.075cm" svg:y="2.257cm" presentation:class="page"/>
         <draw:frame presentation:style-name="Title_20_Only-notes" draw:layer="backgroundobjects" svg:width="16.799cm" svg:height="13.364cm" svg:x="2.1cm" svg:y="14.107cm" presentation:class="notes" presentation:placeholder="true">
           <draw:text-box/>

--- a/Html.pptx
+++ b/Html.pptx
@@ -92,6 +92,13 @@
       <style:paragraph-properties fo:margin-top="0cm" fo:margin-bottom="0cm" fo:line-height="100%" fo:text-align="center" style:font-independent-line-spacing="true"/>
       <style:text-properties fo:font-size="18pt" style:font-size-asian="18pt"/>
     </style:style>
+    <style:style style:name="P8" style:family="paragraph">
+      <style:text-properties fo:font-size="18pt"/>
+    </style:style>
+    <style:style style:name="P9" style:family="paragraph">
+      <style:paragraph-properties fo:margin-top="0cm" fo:margin-bottom="0cm" fo:line-height="100%" fo:text-align="start"/>
+      <style:text-properties style:font-size-asian="18pt"/>
+    </style:style>
     <style:style style:name="T1" style:family="text">
       <style:text-properties fo:font-variant="normal" fo:text-transform="none" fo:color="#000000" style:text-line-through-style="none" style:text-line-through-type="none" style:font-name="Lucida Sans1" fo:font-size="28pt" fo:letter-spacing="normal" fo:font-style="normal" style:text-underline-style="none" fo:font-weight="bold" style:font-size-asian="28pt" style:font-style-asian="normal" style:font-weight-asian="bold" style:font-size-complex="28pt" style:font-style-complex="normal" style:font-weight-complex="bold"/>
     </style:style>
@@ -118,6 +125,21 @@
     </style:style>
     <style:style style:name="T9" style:family="text">
       <style:text-properties fo:color="#ff3333" style:text-underline-style="none"/>
+    </style:style>
+    <style:style style:name="T10" style:family="text">
+      <style:text-properties fo:color="#000000" fo:font-size="18pt" style:text-underline-style="none"/>
+    </style:style>
+    <style:style style:name="T11" style:family="text">
+      <style:text-properties fo:color="#ff6600" fo:font-size="18pt" style:text-underline-style="none" fo:font-weight="normal" style:font-weight-asian="normal" style:font-weight-complex="normal"/>
+    </style:style>
+    <style:style style:name="T12" style:family="text">
+      <style:text-properties fo:color="#ff6600" fo:font-size="18pt" style:text-underline-style="none"/>
+    </style:style>
+    <style:style style:name="T13" style:family="text">
+      <style:text-properties fo:color="#000000" fo:font-size="18pt" style:text-underline-style="none" fo:font-weight="normal" style:font-weight-asian="normal" style:font-weight-complex="normal"/>
+    </style:style>
+    <style:style style:name="T14" style:family="text">
+      <style:text-properties fo:color="#ff3333" fo:font-size="18pt" style:text-underline-style="none" fo:font-weight="normal" style:font-weight-asian="normal" style:font-weight-complex="normal"/>
     </style:style>
     <text:list-style style:name="L1">
       <text:list-level-style-bullet text:level="1" text:bullet-char="●">
@@ -666,7 +688,7 @@
       </draw:page>
       <draw:page draw:name="page7" draw:style-name="dp1" draw:master-page-name="Title_20_Only" presentation:presentation-page-layout-name="AL1T19">
         <office:forms form:automatic-focus="false" form:apply-design-mode="false"/>
-        <draw:frame draw:style-name="gr2" draw:layer="layout" svg:width="21cm" svg:height="12.269cm" svg:x="2.32cm" svg:y="3.278cm">
+        <draw:frame draw:style-name="gr2" draw:layer="layout" svg:width="21cm" svg:height="12.638cm" svg:x="2.32cm" svg:y="3.278cm">
           <draw:text-box>
             <text:p/>
             <text:p>1.标签</text:p>
@@ -728,7 +750,7 @@
       </draw:page>
       <draw:page draw:name="page8" draw:style-name="dp1" draw:master-page-name="Title_20_Only" presentation:presentation-page-layout-name="AL1T19">
         <office:forms form:automatic-focus="false" form:apply-design-mode="false"/>
-        <draw:frame draw:style-name="gr2" draw:layer="layout" svg:width="21cm" svg:height="12.146cm" svg:x="2.4cm" svg:y="3.88cm">
+        <draw:frame draw:style-name="gr2" draw:layer="layout" svg:width="21cm" svg:height="12.515cm" svg:x="2.4cm" svg:y="3.88cm">
           <draw:text-box>
             <text:p>
               <text:span text:style-name="T7">常用的一些元素属性：</text:span>
@@ -924,11 +946,166 @@
             </text:p>
           </draw:text-box>
         </draw:frame>
-        <draw:custom-shape draw:name="CustomShape 1" draw:style-name="gr8" draw:text-style-name="P2" draw:layer="版式" svg:width="9.519cm" svg:height="1.012cm" svg:x="13.6cm" svg:y="1.469cm">
+        <draw:custom-shape draw:name="CustomShape 1" draw:style-name="gr5" draw:text-style-name="P2" draw:layer="layout" svg:width="9.519cm" svg:height="1.012cm" svg:x="13.6cm" svg:y="1.469cm">
           <text:p text:style-name="P3">
             <text:span text:style-name="T4">第</text:span>
             <text:span text:style-name="T4">2</text:span>
             <text:span text:style-name="T4">节：标题与段落</text:span>
+          </text:p>
+          <draw:enhanced-geometry draw:mirror-horizontal="false" draw:mirror-vertical="false" svg:viewBox="0 0 0 0" draw:text-areas="0 0 ?f3 ?f2" draw:type="ooxml-rect" draw:enhanced-path="M 0 0 L ?f3 0 ?f3 ?f2 0 ?f2 Z N">
+            <draw:equation draw:name="f0" draw:formula="logwidth/2"/>
+            <draw:equation draw:name="f1" draw:formula="logheight/2"/>
+            <draw:equation draw:name="f2" draw:formula="logheight"/>
+            <draw:equation draw:name="f3" draw:formula="logwidth"/>
+          </draw:enhanced-geometry>
+        </draw:custom-shape>
+        <presentation:notes draw:style-name="dp2">
+          <draw:page-thumbnail draw:style-name="gr3" draw:layer="layout" svg:width="14.848cm" svg:height="11.136cm" svg:x="3.075cm" svg:y="2.257cm" draw:page-number="10" presentation:class="page"/>
+          <draw:frame presentation:style-name="pr2" draw:layer="layout" svg:width="16.799cm" svg:height="13.364cm" svg:x="2.1cm" svg:y="14.107cm" presentation:class="notes" presentation:placeholder="true">
+            <draw:text-box/>
+          </draw:frame>
+        </presentation:notes>
+      </draw:page>
+      <draw:page draw:name="page11" draw:style-name="dp1" draw:master-page-name="Title_20_Only" presentation:presentation-page-layout-name="AL1T19">
+        <office:forms form:automatic-focus="false" form:apply-design-mode="false"/>
+        <draw:frame draw:style-name="gr2" draw:text-style-name="P8" draw:layer="layout" svg:width="21cm" svg:height="14.99cm" svg:x="2.4cm" svg:y="3.76cm">
+          <draw:text-box>
+            <text:p>
+              <text:span text:style-name="T10">1.</text:span>
+              <text:span text:style-name="T10">链接</text:span>
+            </text:p>
+            <text:p>
+              <text:span text:style-name="T10">超链接可以是一个字，一个词，也可以是一幅图像，您可以点击这些内容来跳转到新网页或者当前网页中的某个部分。</text:span>
+            </text:p>
+            <text:p>
+              <text:span text:style-name="T10">
+                <text:s text:c="4"/>
+              </text:span>
+              <text:span text:style-name="T10">我们通过使用 </text:span>
+              <text:span text:style-name="T10">&lt;a&gt; </text:span>
+              <text:span text:style-name="T10">标签在 </text:span>
+              <text:span text:style-name="T10">HTML </text:span>
+              <text:span text:style-name="T10">中创建链接。</text:span>
+            </text:p>
+            <text:p>
+              <text:span text:style-name="T10">
+                <text:s text:c="4"/>
+              </text:span>
+              <text:span text:style-name="T10">常见属性：</text:span>
+            </text:p>
+            <text:p>
+              <text:span text:style-name="T10">
+                <text:s text:c="3"/>
+              </text:span>
+              <text:span text:style-name="T10">
+                <text:tab/>
+              </text:span>
+              <text:span text:style-name="T10"> </text:span>
+              <text:span text:style-name="T10">(1) href</text:span>
+            </text:p>
+            <text:p>
+              <text:span text:style-name="T10">
+                <text:s text:c="4"/>
+              </text:span>
+              <text:span text:style-name="T10">
+                <text:tab/>
+              </text:span>
+              <text:span text:style-name="T10"> </text:span>
+              <text:span text:style-name="T10">(2) target</text:span>
+            </text:p>
+            <text:p>
+              <text:span text:style-name="T10">
+                <text:s text:c="4"/>
+              </text:span>
+              <text:span text:style-name="T10">
+                <text:tab/>
+              </text:span>
+              <text:span text:style-name="T10"> </text:span>
+              <text:span text:style-name="T10">(3) name</text:span>
+              <text:span text:style-name="T10">和</text:span>
+              <text:span text:style-name="T10">id (</text:span>
+              <text:span text:style-name="T10">可以用于锚点</text:span>
+              <text:span text:style-name="T10">)</text:span>
+            </text:p>
+            <text:p>
+              <text:span text:style-name="T10">
+                <text:s text:c="3"/>
+              </text:span>
+              <text:span text:style-name="T10">锚点</text:span>
+              <text:span text:style-name="T10">,</text:span>
+              <text:span text:style-name="T10">跳转到当前网页中的某个部分</text:span>
+              <text:span text:style-name="T10">,</text:span>
+              <text:span text:style-name="T10">如</text:span>
+              <text:span text:style-name="T10">:</text:span>
+            </text:p>
+            <text:p>
+              <text:span text:style-name="T11">
+                <text:s text:c="8"/>
+              </text:span>
+              <text:span text:style-name="T11">&lt;a href="#tip1"&gt;go to tip1&lt;/a&gt;</text:span>
+            </text:p>
+            <text:p>
+              <text:span text:style-name="T11">
+                <text:s text:c="8"/>
+              </text:span>
+              <text:span text:style-name="T11">&lt;br/&gt;</text:span>
+            </text:p>
+            <text:p>
+              <text:span text:style-name="T11">
+                <text:s text:c="8"/>
+              </text:span>
+              <text:span text:style-name="T11">&lt;a href="#tip2"&gt;go to tip2&lt;/a&gt;</text:span>
+            </text:p>
+            <text:p>
+              <text:span text:style-name="T11">
+                <text:s text:c="8"/>
+              </text:span>
+              <text:span text:style-name="T11">&lt;div style="margin-top:1000px"&gt;</text:span>
+            </text:p>
+            <text:p>
+              <text:span text:style-name="T11">
+                <text:s text:c="11"/>
+              </text:span>
+              <text:span text:style-name="T11">&lt;a id="tip1"&gt;</text:span>
+              <text:span text:style-name="T11">这是</text:span>
+              <text:span text:style-name="T11">tip1&lt;/a&gt;</text:span>
+            </text:p>
+            <text:p>
+              <text:span text:style-name="T11">
+                <text:s text:c="8"/>
+              </text:span>
+              <text:span text:style-name="T11">&lt;/div&gt;</text:span>
+            </text:p>
+            <text:p>
+              <text:span text:style-name="T11">
+                <text:s text:c="8"/>
+              </text:span>
+              <text:span text:style-name="T11">&lt;div style="margin-top:1000px"&gt;</text:span>
+            </text:p>
+            <text:p>
+              <text:span text:style-name="T11">
+                <text:s text:c="11"/>
+              </text:span>
+              <text:span text:style-name="T11">&lt;a name="tip2"&gt; </text:span>
+              <text:span text:style-name="T11">这是</text:span>
+              <text:span text:style-name="T11">tip2&lt;/a&gt;</text:span>
+            </text:p>
+            <text:p>
+              <text:span text:style-name="T11">
+                <text:s text:c="8"/>
+              </text:span>
+              <text:span text:style-name="T11">&lt;/div&gt;</text:span>
+            </text:p>
+            <text:p>
+              <text:span text:style-name="T12"/>
+            </text:p>
+          </draw:text-box>
+        </draw:frame>
+        <draw:custom-shape draw:name="CustomShape 1" draw:style-name="gr5" draw:text-style-name="P4" draw:layer="layout" svg:width="9.519cm" svg:height="1.012cm" svg:x="13.6cm" svg:y="1.469cm">
+          <text:p text:style-name="P3">
+            <text:span text:style-name="T2">第</text:span>
+            <text:span text:style-name="T2">3</text:span>
+            <text:span text:style-name="T2">节：链接与图像</text:span>
           </text:p>
           <draw:enhanced-geometry draw:mirror-horizontal="false" draw:mirror-vertical="false" svg:viewBox="0 0 0 0" draw:text-areas="0 0 ?f3 ?f2" draw:type="ooxml-rect" draw:enhanced-path="M 0 0 L ?f3 0 ?f3 ?f2 0 ?f2 Z N">
             <draw:equation draw:name="f0" draw:formula="logwidth/2"/>
@@ -939,8 +1116,450 @@
         </draw:custom-shape>
         <presentation:notes draw:style-name="dp2">
           <office:forms form:automatic-focus="false" form:apply-design-mode="false"/>
-          <draw:page-thumbnail draw:style-name="gr3" draw:layer="layout" svg:width="14.848cm" svg:height="11.136cm" svg:x="3.075cm" svg:y="2.257cm" draw:page-number="10" presentation:class="page"/>
-          <draw:frame presentation:style-name="pr2" draw:layer="layout" svg:width="16.799cm" svg:height="13.364cm" svg:x="2.1cm" svg:y="14.107cm" presentation:class="notes" presentation:placeholder="true">
+          <draw:page-thumbnail draw:style-name="gr3" draw:layer="layout" svg:width="14.848cm" svg:height="11.136cm" svg:x="3.075cm" svg:y="2.257cm" draw:page-number="11" presentation:class="page"/>
+          <draw:frame presentation:style-name="pr2" draw:text-style-name="P5" draw:layer="layout" svg:width="16.799cm" svg:height="13.364cm" svg:x="2.1cm" svg:y="14.107cm" presentation:class="notes" presentation:placeholder="true">
+            <draw:text-box/>
+          </draw:frame>
+        </presentation:notes>
+      </draw:page>
+      <draw:page draw:name="page12" draw:style-name="dp1" draw:master-page-name="Title_20_Only" presentation:presentation-page-layout-name="AL1T19">
+        <office:forms form:automatic-focus="false" form:apply-design-mode="false"/>
+        <draw:frame draw:style-name="gr2" draw:text-style-name="P8" draw:layer="layout" svg:width="21cm" svg:height="13.472cm" svg:x="2.4cm" svg:y="3.76cm">
+          <draw:text-box>
+            <text:p>
+              <text:span text:style-name="T10">2.</text:span>
+              <text:span text:style-name="T10">图像</text:span>
+            </text:p>
+            <text:p>
+              <text:span text:style-name="T13">在 </text:span>
+              <text:span text:style-name="T13">HTML </text:span>
+              <text:span text:style-name="T13">中，图像由 </text:span>
+              <text:span text:style-name="T13">&lt;img&gt; </text:span>
+              <text:span text:style-name="T13">标签定义。</text:span>
+            </text:p>
+            <text:p>
+              <text:span text:style-name="T13">
+                <text:s text:c="4"/>
+              </text:span>
+              <text:span text:style-name="T13">图像标签没有闭合标签</text:span>
+              <text:span text:style-name="T13">,</text:span>
+              <text:span text:style-name="T13">只有属性。</text:span>
+            </text:p>
+            <text:p>
+              <text:span text:style-name="T13">
+                <text:s text:c="4"/>
+              </text:span>
+              <text:span text:style-name="T13">(1)</text:span>
+              <text:span text:style-name="T13">要在页面上显示图像，你需要使用源属性（</text:span>
+              <text:span text:style-name="T13">src</text:span>
+              <text:span text:style-name="T13">）。</text:span>
+              <text:span text:style-name="T13">src </text:span>
+              <text:span text:style-name="T13">指 </text:span>
+              <text:span text:style-name="T13">"source"</text:span>
+              <text:span text:style-name="T13">。源属性的值是图像的 </text:span>
+              <text:span text:style-name="T13">URL </text:span>
+              <text:span text:style-name="T13">地址。</text:span>
+            </text:p>
+            <text:p>
+              <text:span text:style-name="T13">
+                <text:s text:c="4"/>
+              </text:span>
+              <text:span text:style-name="T13">语法：</text:span>
+            </text:p>
+            <text:p>
+              <text:span text:style-name="T13">
+                <text:s text:c="4"/>
+              </text:span>
+              <text:span text:style-name="T11">&lt;img src="URL" /&gt;</text:span>
+            </text:p>
+            <text:p>
+              <text:span text:style-name="T13"/>
+            </text:p>
+            <text:p>
+              <text:span text:style-name="T13">
+                <text:s text:c="4"/>
+              </text:span>
+              <text:span text:style-name="T13">URL </text:span>
+              <text:span text:style-name="T13">指存储图像的位置。</text:span>
+            </text:p>
+            <text:p>
+              <text:span text:style-name="T13"/>
+            </text:p>
+            <text:p>
+              <text:span text:style-name="T13">
+                <text:s text:c="4"/>
+              </text:span>
+              <text:span text:style-name="T13">(2)</text:span>
+              <text:span text:style-name="T13">替换文本属性（</text:span>
+              <text:span text:style-name="T13">alt</text:span>
+              <text:span text:style-name="T13">）</text:span>
+            </text:p>
+            <text:p>
+              <text:span text:style-name="T13">
+                <text:s text:c="4"/>
+              </text:span>
+              <text:span text:style-name="T13">在浏览器无法载入图像时，替换文本属性告诉读者她们失去的信息。</text:span>
+            </text:p>
+            <text:p>
+              <text:span text:style-name="T13"/>
+            </text:p>
+            <text:p>
+              <text:span text:style-name="T13">
+                <text:s text:c="4"/>
+              </text:span>
+              <text:span text:style-name="T14">注意事项</text:span>
+              <text:span text:style-name="T14">:</text:span>
+              <text:span text:style-name="T14">一个网页，图片不予过多，并且过大的图片应该进行压缩裁剪。</text:span>
+            </text:p>
+            <text:p>
+              <text:span text:style-name="T12"/>
+            </text:p>
+          </draw:text-box>
+        </draw:frame>
+        <draw:custom-shape draw:name="CustomShape 1" draw:style-name="gr5" draw:text-style-name="P4" draw:layer="layout" svg:width="9.519cm" svg:height="1.012cm" svg:x="13.6cm" svg:y="1.469cm">
+          <text:p text:style-name="P3">
+            <text:span text:style-name="T2">第</text:span>
+            <text:span text:style-name="T2">3</text:span>
+            <text:span text:style-name="T2">节：链接与图像</text:span>
+          </text:p>
+          <draw:enhanced-geometry draw:mirror-horizontal="false" draw:mirror-vertical="false" svg:viewBox="0 0 0 0" draw:text-areas="0 0 ?f3 ?f2" draw:type="ooxml-rect" draw:enhanced-path="M 0 0 L ?f3 0 ?f3 ?f2 0 ?f2 Z N">
+            <draw:equation draw:name="f0" draw:formula="logwidth/2"/>
+            <draw:equation draw:name="f1" draw:formula="logheight/2"/>
+            <draw:equation draw:name="f2" draw:formula="logheight"/>
+            <draw:equation draw:name="f3" draw:formula="logwidth"/>
+          </draw:enhanced-geometry>
+        </draw:custom-shape>
+        <presentation:notes draw:style-name="dp2">
+          <draw:page-thumbnail draw:style-name="gr3" draw:layer="layout" svg:width="14.848cm" svg:height="11.136cm" svg:x="3.075cm" svg:y="2.257cm" draw:page-number="12" presentation:class="page"/>
+          <draw:frame presentation:style-name="pr2" draw:text-style-name="P5" draw:layer="layout" svg:width="16.799cm" svg:height="13.364cm" svg:x="2.1cm" svg:y="14.107cm" presentation:class="notes" presentation:placeholder="true">
+            <draw:text-box/>
+          </draw:frame>
+        </presentation:notes>
+      </draw:page>
+      <draw:page draw:name="page13" draw:style-name="dp1" draw:master-page-name="Title_20_Only" presentation:presentation-page-layout-name="AL1T19">
+        <office:forms form:automatic-focus="false" form:apply-design-mode="false"/>
+        <draw:frame draw:style-name="gr2" draw:text-style-name="P8" draw:layer="layout" svg:width="21cm" svg:height="12.611cm" svg:x="2.4cm" svg:y="3.76cm">
+          <draw:text-box>
+            <text:p text:style-name="P8">
+              <text:span text:style-name="T10">1.</text:span>
+              <text:span text:style-name="T10">无序列表</text:span>
+            </text:p>
+            <text:p text:style-name="P8">
+              <text:span text:style-name="T10">无序列表是一个项目的列表，此列项目使用粗体圆点进行标记。</text:span>
+            </text:p>
+            <text:p text:style-name="P8">
+              <text:span text:style-name="T10">
+                <text:s text:c="4"/>
+              </text:span>
+              <text:span text:style-name="T12">&lt;ul&gt;</text:span>
+            </text:p>
+            <text:p text:style-name="P8">
+              <text:span text:style-name="T12">
+                <text:s text:c="4"/>
+              </text:span>
+              <text:span text:style-name="T12">&lt;li&gt;HTML&lt;/li&gt;</text:span>
+            </text:p>
+            <text:p text:style-name="P8">
+              <text:span text:style-name="T12">
+                <text:s text:c="4"/>
+              </text:span>
+              <text:span text:style-name="T12">&lt;li&gt;CSS&lt;/li&gt;</text:span>
+            </text:p>
+            <text:p text:style-name="P8">
+              <text:span text:style-name="T12">
+                <text:s text:c="4"/>
+              </text:span>
+              <text:span text:style-name="T12">&lt;/ul&gt;</text:span>
+            </text:p>
+            <text:p text:style-name="P8">
+              <text:span text:style-name="T10">属性：</text:span>
+              <text:span text:style-name="T10">type</text:span>
+              <text:span text:style-name="T10">（</text:span>
+              <text:span text:style-name="T10">circle,square</text:span>
+              <text:span text:style-name="T10">）</text:span>
+            </text:p>
+            <text:p text:style-name="P8">
+              <text:span text:style-name="T12"/>
+            </text:p>
+            <text:p text:style-name="P8">
+              <text:span text:style-name="T10">2.</text:span>
+              <text:span text:style-name="T10">有序列表</text:span>
+            </text:p>
+            <text:p text:style-name="P8">
+              <text:span text:style-name="T10">有序列表也是一列项目，列表项目使用数字进行标记。</text:span>
+            </text:p>
+            <text:p text:style-name="P8">
+              <text:span text:style-name="T12">
+                <text:s text:c="4"/>
+              </text:span>
+              <text:span text:style-name="T12">&lt;ol&gt;</text:span>
+            </text:p>
+            <text:p text:style-name="P8">
+              <text:span text:style-name="T12">
+                <text:s text:c="4"/>
+              </text:span>
+              <text:span text:style-name="T12">&lt;li&gt;HTML&lt;/li&gt;</text:span>
+            </text:p>
+            <text:p text:style-name="P8">
+              <text:span text:style-name="T12">
+                <text:s text:c="4"/>
+              </text:span>
+              <text:span text:style-name="T12">&lt;li&gt;CSS&lt;/li&gt;</text:span>
+            </text:p>
+            <text:p text:style-name="P8">
+              <text:span text:style-name="T12">
+                <text:s text:c="4"/>
+              </text:span>
+              <text:span text:style-name="T12">&lt;/ol&gt;</text:span>
+            </text:p>
+            <text:p text:style-name="P8">
+              <text:span text:style-name="T10">属性：</text:span>
+              <text:span text:style-name="T10">type</text:span>
+              <text:span text:style-name="T10">（</text:span>
+              <text:span text:style-name="T10">a,A,I,i</text:span>
+              <text:span text:style-name="T10">）</text:span>
+            </text:p>
+            <text:p text:style-name="P8">
+              <text:span text:style-name="T12"/>
+            </text:p>
+          </draw:text-box>
+        </draw:frame>
+        <draw:custom-shape draw:name="CustomShape 1" draw:style-name="gr8" draw:text-style-name="P4" draw:layer="版式" svg:width="9.519cm" svg:height="1.012cm" svg:x="13.6cm" svg:y="1.469cm">
+          <text:p text:style-name="P9">
+            <text:span text:style-name="T2">第</text:span>
+            <text:span text:style-name="T2">4</text:span>
+            <text:span text:style-name="T2">节：列表</text:span>
+          </text:p>
+          <draw:enhanced-geometry draw:mirror-horizontal="false" draw:mirror-vertical="false" svg:viewBox="0 0 0 0" draw:text-areas="0 0 ?f3 ?f2" draw:type="ooxml-rect" draw:enhanced-path="M 0 0 L ?f3 0 ?f3 ?f2 0 ?f2 Z N">
+            <draw:equation draw:name="f0" draw:formula="logwidth/2"/>
+            <draw:equation draw:name="f1" draw:formula="logheight/2"/>
+            <draw:equation draw:name="f2" draw:formula="logheight"/>
+            <draw:equation draw:name="f3" draw:formula="logwidth"/>
+          </draw:enhanced-geometry>
+        </draw:custom-shape>
+        <presentation:notes draw:style-name="dp2">
+          <office:forms form:automatic-focus="false" form:apply-design-mode="false"/>
+          <draw:page-thumbnail draw:style-name="gr3" draw:layer="layout" svg:width="14.848cm" svg:height="11.136cm" svg:x="3.075cm" svg:y="2.257cm" draw:page-number="13" presentation:class="page"/>
+          <draw:frame presentation:style-name="pr2" draw:text-style-name="P5" draw:layer="layout" svg:width="16.799cm" svg:height="13.364cm" svg:x="2.1cm" svg:y="14.107cm" presentation:class="notes" presentation:placeholder="true">
+            <draw:text-box/>
+          </draw:frame>
+        </presentation:notes>
+      </draw:page>
+      <draw:page draw:name="page14" draw:style-name="dp1" draw:master-page-name="Title_20_Only" presentation:presentation-page-layout-name="AL1T19">
+        <office:forms form:automatic-focus="false" form:apply-design-mode="false"/>
+        <draw:frame draw:style-name="gr2" draw:text-style-name="P8" draw:layer="layout" svg:width="21cm" svg:height="5.72cm" svg:x="2.4cm" svg:y="3.76cm">
+          <draw:text-box>
+            <text:p text:style-name="P8">
+              <text:span text:style-name="T10">3.</text:span>
+              <text:span text:style-name="T10">定义列表</text:span>
+            </text:p>
+            <text:p text:style-name="P8">
+              <text:span text:style-name="T10">自定义列表不仅仅是一列项目，而是项目及其注释的组合。</text:span>
+            </text:p>
+            <text:p text:style-name="P8">
+              <text:span text:style-name="T12">
+                <text:s text:c="4"/>
+              </text:span>
+              <text:span text:style-name="T12">&lt;dl&gt;</text:span>
+            </text:p>
+            <text:p text:style-name="P8">
+              <text:span text:style-name="T12">
+                <text:s text:c="4"/>
+              </text:span>
+              <text:span text:style-name="T12">&lt;dt&gt;HTML&lt;/dt&gt;</text:span>
+            </text:p>
+            <text:p text:style-name="P8">
+              <text:span text:style-name="T12">
+                <text:s text:c="4"/>
+              </text:span>
+              <text:span text:style-name="T12">&lt;dd&gt;</text:span>
+              <text:span text:style-name="T12">网站的基础语言</text:span>
+              <text:span text:style-name="T12">&lt;/dd&gt;</text:span>
+            </text:p>
+            <text:p text:style-name="P8">
+              <text:span text:style-name="T12">
+                <text:s text:c="4"/>
+              </text:span>
+              <text:span text:style-name="T12">&lt;/dl&gt;</text:span>
+            </text:p>
+            <text:p text:style-name="P8">
+              <text:span text:style-name="T12"/>
+            </text:p>
+          </draw:text-box>
+        </draw:frame>
+        <draw:custom-shape draw:name="CustomShape 1" draw:style-name="gr8" draw:text-style-name="P4" draw:layer="版式" svg:width="9.519cm" svg:height="1.012cm" svg:x="13.6cm" svg:y="1.469cm">
+          <text:p text:style-name="P9">
+            <text:span text:style-name="T2">第</text:span>
+            <text:span text:style-name="T2">4</text:span>
+            <text:span text:style-name="T2">节：列表</text:span>
+          </text:p>
+          <draw:enhanced-geometry draw:mirror-horizontal="false" draw:mirror-vertical="false" svg:viewBox="0 0 0 0" draw:text-areas="0 0 ?f3 ?f2" draw:type="ooxml-rect" draw:enhanced-path="M 0 0 L ?f3 0 ?f3 ?f2 0 ?f2 Z N">
+            <draw:equation draw:name="f0" draw:formula="logwidth/2"/>
+            <draw:equation draw:name="f1" draw:formula="logheight/2"/>
+            <draw:equation draw:name="f2" draw:formula="logheight"/>
+            <draw:equation draw:name="f3" draw:formula="logwidth"/>
+          </draw:enhanced-geometry>
+        </draw:custom-shape>
+        <presentation:notes draw:style-name="dp2">
+          <office:forms form:automatic-focus="false" form:apply-design-mode="false"/>
+          <draw:page-thumbnail draw:style-name="gr3" draw:layer="layout" svg:width="14.848cm" svg:height="11.136cm" svg:x="3.075cm" svg:y="2.257cm" draw:page-number="14" presentation:class="page"/>
+          <draw:frame presentation:style-name="pr2" draw:text-style-name="P5" draw:layer="layout" svg:width="16.799cm" svg:height="13.364cm" svg:x="2.1cm" svg:y="14.107cm" presentation:class="notes" presentation:placeholder="true">
+            <draw:text-box/>
+          </draw:frame>
+        </presentation:notes>
+      </draw:page>
+      <draw:page draw:name="page15" draw:style-name="dp1" draw:master-page-name="Title_20_Only" presentation:presentation-page-layout-name="AL1T19">
+        <office:forms form:automatic-focus="false" form:apply-design-mode="false"/>
+        <draw:frame draw:style-name="gr2" draw:text-style-name="P8" draw:layer="layout" svg:width="21cm" svg:height="14.99cm" svg:x="2.4cm" svg:y="3.76cm">
+          <draw:text-box>
+            <text:p text:style-name="P8">
+              <text:span text:style-name="T10">1.</text:span>
+              <text:span text:style-name="T10">链接</text:span>
+            </text:p>
+            <text:p text:style-name="P8">
+              <text:span text:style-name="T10">超链接可以是一个字，一个词，也可以是一幅图像，您可以点击这些内容来跳转到新网页或者当前网页中的某个部分。</text:span>
+            </text:p>
+            <text:p text:style-name="P8">
+              <text:span text:style-name="T10">
+                <text:s text:c="4"/>
+              </text:span>
+              <text:span text:style-name="T10">我们通过使用 </text:span>
+              <text:span text:style-name="T10">&lt;a&gt; </text:span>
+              <text:span text:style-name="T10">标签在 </text:span>
+              <text:span text:style-name="T10">HTML </text:span>
+              <text:span text:style-name="T10">中创建链接。</text:span>
+            </text:p>
+            <text:p text:style-name="P8">
+              <text:span text:style-name="T10">
+                <text:s text:c="4"/>
+              </text:span>
+              <text:span text:style-name="T10">常见属性：</text:span>
+            </text:p>
+            <text:p text:style-name="P8">
+              <text:span text:style-name="T10">
+                <text:s text:c="3"/>
+              </text:span>
+              <text:span text:style-name="T10">
+                <text:tab/>
+              </text:span>
+              <text:span text:style-name="T10"> </text:span>
+              <text:span text:style-name="T10">(1) href</text:span>
+            </text:p>
+            <text:p text:style-name="P8">
+              <text:span text:style-name="T10">
+                <text:s text:c="4"/>
+              </text:span>
+              <text:span text:style-name="T10">
+                <text:tab/>
+              </text:span>
+              <text:span text:style-name="T10"> </text:span>
+              <text:span text:style-name="T10">(2) target</text:span>
+            </text:p>
+            <text:p text:style-name="P8">
+              <text:span text:style-name="T10">
+                <text:s text:c="4"/>
+              </text:span>
+              <text:span text:style-name="T10">
+                <text:tab/>
+              </text:span>
+              <text:span text:style-name="T10"> </text:span>
+              <text:span text:style-name="T10">(3) name</text:span>
+              <text:span text:style-name="T10">和</text:span>
+              <text:span text:style-name="T10">id (</text:span>
+              <text:span text:style-name="T10">可以用于锚点</text:span>
+              <text:span text:style-name="T10">)</text:span>
+            </text:p>
+            <text:p text:style-name="P8">
+              <text:span text:style-name="T10">
+                <text:s text:c="3"/>
+              </text:span>
+              <text:span text:style-name="T10">锚点</text:span>
+              <text:span text:style-name="T10">,</text:span>
+              <text:span text:style-name="T10">跳转到当前网页中的某个部分</text:span>
+              <text:span text:style-name="T10">,</text:span>
+              <text:span text:style-name="T10">如</text:span>
+              <text:span text:style-name="T10">:</text:span>
+            </text:p>
+            <text:p text:style-name="P8">
+              <text:span text:style-name="T11">
+                <text:s text:c="8"/>
+              </text:span>
+              <text:span text:style-name="T11">&lt;a href="#tip1"&gt;go to tip1&lt;/a&gt;</text:span>
+            </text:p>
+            <text:p text:style-name="P8">
+              <text:span text:style-name="T11">
+                <text:s text:c="8"/>
+              </text:span>
+              <text:span text:style-name="T11">&lt;br/&gt;</text:span>
+            </text:p>
+            <text:p text:style-name="P8">
+              <text:span text:style-name="T11">
+                <text:s text:c="8"/>
+              </text:span>
+              <text:span text:style-name="T11">&lt;a href="#tip2"&gt;go to tip2&lt;/a&gt;</text:span>
+            </text:p>
+            <text:p text:style-name="P8">
+              <text:span text:style-name="T11">
+                <text:s text:c="8"/>
+              </text:span>
+              <text:span text:style-name="T11">&lt;div style="margin-top:1000px"&gt;</text:span>
+            </text:p>
+            <text:p text:style-name="P8">
+              <text:span text:style-name="T11">
+                <text:s text:c="11"/>
+              </text:span>
+              <text:span text:style-name="T11">&lt;a id="tip1"&gt;</text:span>
+              <text:span text:style-name="T11">这是</text:span>
+              <text:span text:style-name="T11">tip1&lt;/a&gt;</text:span>
+            </text:p>
+            <text:p text:style-name="P8">
+              <text:span text:style-name="T11">
+                <text:s text:c="8"/>
+              </text:span>
+              <text:span text:style-name="T11">&lt;/div&gt;</text:span>
+            </text:p>
+            <text:p text:style-name="P8">
+              <text:span text:style-name="T11">
+                <text:s text:c="8"/>
+              </text:span>
+              <text:span text:style-name="T11">&lt;div style="margin-top:1000px"&gt;</text:span>
+            </text:p>
+            <text:p text:style-name="P8">
+              <text:span text:style-name="T11">
+                <text:s text:c="11"/>
+              </text:span>
+              <text:span text:style-name="T11">&lt;a name="tip2"&gt; </text:span>
+              <text:span text:style-name="T11">这是</text:span>
+              <text:span text:style-name="T11">tip2&lt;/a&gt;</text:span>
+            </text:p>
+            <text:p text:style-name="P8">
+              <text:span text:style-name="T11">
+                <text:s text:c="8"/>
+              </text:span>
+              <text:span text:style-name="T11">&lt;/div&gt;</text:span>
+            </text:p>
+            <text:p text:style-name="P8">
+              <text:span text:style-name="T12"/>
+            </text:p>
+          </draw:text-box>
+        </draw:frame>
+        <draw:custom-shape draw:name="CustomShape 1" draw:style-name="gr8" draw:text-style-name="P4" draw:layer="版式" svg:width="9.519cm" svg:height="1.012cm" svg:x="13.6cm" svg:y="1.469cm">
+          <text:p text:style-name="P9">
+            <text:span text:style-name="T2">第</text:span>
+            <text:span text:style-name="T2">3</text:span>
+            <text:span text:style-name="T2">节：链接与图像</text:span>
+          </text:p>
+          <draw:enhanced-geometry draw:mirror-horizontal="false" draw:mirror-vertical="false" svg:viewBox="0 0 0 0" draw:text-areas="0 0 ?f3 ?f2" draw:type="ooxml-rect" draw:enhanced-path="M 0 0 L ?f3 0 ?f3 ?f2 0 ?f2 Z N">
+            <draw:equation draw:name="f0" draw:formula="logwidth/2"/>
+            <draw:equation draw:name="f1" draw:formula="logheight/2"/>
+            <draw:equation draw:name="f2" draw:formula="logheight"/>
+            <draw:equation draw:name="f3" draw:formula="logwidth"/>
+          </draw:enhanced-geometry>
+        </draw:custom-shape>
+        <presentation:notes draw:style-name="dp2">
+          <office:forms form:automatic-focus="false" form:apply-design-mode="false"/>
+          <draw:page-thumbnail draw:style-name="gr3" draw:layer="layout" svg:width="14.848cm" svg:height="11.136cm" svg:x="3.075cm" svg:y="2.257cm" draw:page-number="15" presentation:class="page"/>
+          <draw:frame presentation:style-name="pr2" draw:text-style-name="P5" draw:layer="layout" svg:width="16.799cm" svg:height="13.364cm" svg:x="2.1cm" svg:y="14.107cm" presentation:class="notes" presentation:placeholder="true">
             <draw:text-box/>
           </draw:frame>
         </presentation:notes>
@@ -955,10 +1574,10 @@
 <office:document-meta xmlns:office="urn:oasis:names:tc:opendocument:xmlns:office:1.0" xmlns:xlink="http://www.w3.org/1999/xlink" xmlns:dc="http://purl.org/dc/elements/1.1/" xmlns:meta="urn:oasis:names:tc:opendocument:xmlns:meta:1.0" xmlns:presentation="urn:oasis:names:tc:opendocument:xmlns:presentation:1.0" xmlns:ooo="http://openoffice.org/2004/office" xmlns:smil="urn:oasis:names:tc:opendocument:xmlns:smil-compatible:1.0" xmlns:anim="urn:oasis:names:tc:opendocument:xmlns:animation:1.0" xmlns:grddl="http://www.w3.org/2003/g/data-view#" xmlns:officeooo="http://openoffice.org/2009/office" office:version="1.2">
   <office:meta>
     <meta:generator>LibreOffice/4.2.4.2$Linux_X86_64 LibreOffice_project/420m0$Build-2</meta:generator>
-    <dc:date>2015-04-05T22:05:11.395890126</dc:date>
-    <meta:editing-duration>PT27M8S</meta:editing-duration>
-    <meta:editing-cycles>10</meta:editing-cycles>
-    <meta:document-statistic meta:object-count="64"/>
+    <dc:date>2015-04-08T20:20:49.368278232</dc:date>
+    <meta:editing-duration>PT31M12S</meta:editing-duration>
+    <meta:editing-cycles>17</meta:editing-cycles>
+    <meta:document-statistic meta:object-count="84"/>
   </office:meta>
 </office:document-meta>
 </file>
@@ -992,8 +1611,8 @@
           <config:config-item config:name="NoColors" config:type="boolean">true</config:config-item>
           <config:config-item config:name="RulerIsVisible" config:type="boolean">false</config:config-item>
           <config:config-item config:name="PageKind" config:type="short">0</config:config-item>
-          <config:config-item config:name="SelectedPage" config:type="short">8</config:config-item>
-          <config:config-item config:name="IsLayerMode" config:type="boolean">false</config:config-item>
+          <config:config-item config:name="SelectedPage" config:type="short">12</config:config-item>
+          <config:config-item config:name="IsLayerMode" config:type="boolean">true</config:config-item>
           <config:config-item config:name="IsDoubleClickTextEdit" config:type="boolean">true</config:config-item>
           <config:config-item config:name="IsClickChangeRotation" config:type="boolean">true</config:config-item>
           <config:config-item config:name="SlidesPerRow" config:type="short">4</config:config-item>
@@ -1066,7 +1685,7 @@
       <config:config-item config:name="PrintQuality" config:type="int">0</config:config-item>
       <config:config-item config:name="PrinterIndependentLayout" config:type="string">low-resolution</config:config-item>
       <config:config-item config:name="PrinterName" config:type="string">Generic Printer</config:config-item>
-      <config:config-item config:name="PrinterSetup" config:type="base64Binary">jAH+/0dlbmVyaWMgUHJpbnRlcgAAAAAAAAAAAAAAAAAAAAAAAAAAAAAAAAAAAAAAAAAAAAAAAAAAAAAAAAAAAAAAAAAAAAAAAAAAAAAAAAAAAAAAAAAAAAAAAAAAAAAAAAAAAAAAAAAAAAAAAAAAAAAAAAAAAAAAAAAAAAAAAAAAAAAAU0dFTlBSVAAAAAAAAAAAAAAAAAAAAAAAAAAAAAAAAAAWAAMAsgAAAAAAAAAEAAhSAAAEdAAASm9iRGF0YSAxCnByaW50ZXI9R2VuZXJpYyBQcmludGVyCm9yaWVudGF0aW9uPVBvcnRyYWl0CmNvcGllcz0xCm1hcmdpbmRhanVzdG1lbnQ9MCwwLDAsMApjb2xvcmRlcHRoPTI0CnBzbGV2ZWw9MApwZGZkZXZpY2U9MApjb2xvcmRldmljZT0wClBQRENvbnRleERhdGEKUGFnZVNpemU6QTQARHVwbGV4Ok5vbmUAABIAQ09NUEFUX0RVUExFWF9NT0RFCgBEVVBMRVhfT0ZG</config:config-item>
+      <config:config-item config:name="PrinterSetup" config:type="base64Binary">jAH+/0dlbmVyaWMgUHJpbnRlcgAAAAAAAAAAAAAAAAAAAAAAAAAAAAAAAAAAAAAAAAAAAAAAAAAAAAAAAAAAAAAAAAAAAAAAAAAAAAAAAAAAAAAAAAAAAAAAAAAAAAAAAAAAAAAAAAAAAAAAAAAAAAAAAAAAAAAAAAAAAAAAAAAAAAAAU0dFTlBSVAAAAAAAAAAAAAAAAAAAAAAAAAAAAAAAAAAWAAMAsgAAAAAAAAAEAAhSAAAEdAAASm9iRGF0YSAxCnByaW50ZXI9R2VuZXJpYyBQcmludGVyCm9yaWVudGF0aW9uPVBvcnRyYWl0CmNvcGllcz0xCm1hcmdpbmRhanVzdG1lbnQ9MCwwLDAsMApjb2xvcmRlcHRoPTI0CnBzbGV2ZWw9MApwZGZkZXZpY2U9MApjb2xvcmRldmljZT0wClBQRENvbnRleERhdGEKRHVwbGV4Ok5vbmUAUGFnZVNpemU6QTQAABIAQ09NUEFUX0RVUExFWF9NT0RFCgBEVVBMRVhfT0ZG</config:config-item>
       <config:config-item config:name="SaveVersionOnClose" config:type="boolean">false</config:config-item>
       <config:config-item config:name="SlidesPerHandout" config:type="short">6</config:config-item>
       <config:config-item config:name="UpdateFromTemplate" config:type="boolean">true</config:config-item>
